--- a/doc/プロジェクト開発演習　SSH48 /プレゼン資料/プレゼン　みかん.pptx
+++ b/doc/プロジェクト開発演習　SSH48 /プレゼン資料/プレゼン　みかん.pptx
@@ -206,7 +206,7 @@
           <a:p>
             <a:fld id="{12FF2FE7-737C-9547-800B-8FBCC3867355}" type="datetimeFigureOut">
               <a:rPr kumimoji="1" lang="ja-JP" altLang="en-US" smtClean="0"/>
-              <a:t>2019/6/26</a:t>
+              <a:t>2019/7/1</a:t>
             </a:fld>
             <a:endParaRPr kumimoji="1" lang="ja-JP" altLang="en-US"/>
           </a:p>
@@ -1549,7 +1549,7 @@
           <a:p>
             <a:fld id="{297AA529-4116-3843-B440-E8442D861BB6}" type="datetimeFigureOut">
               <a:rPr kumimoji="1" lang="ja-JP" altLang="en-US" smtClean="0"/>
-              <a:t>2019/6/26</a:t>
+              <a:t>2019/7/1</a:t>
             </a:fld>
             <a:endParaRPr kumimoji="1" lang="ja-JP" altLang="en-US"/>
           </a:p>
@@ -1754,7 +1754,7 @@
           <a:p>
             <a:fld id="{297AA529-4116-3843-B440-E8442D861BB6}" type="datetimeFigureOut">
               <a:rPr kumimoji="1" lang="ja-JP" altLang="en-US" smtClean="0"/>
-              <a:t>2019/6/26</a:t>
+              <a:t>2019/7/1</a:t>
             </a:fld>
             <a:endParaRPr kumimoji="1" lang="ja-JP" altLang="en-US"/>
           </a:p>
@@ -1969,7 +1969,7 @@
           <a:p>
             <a:fld id="{297AA529-4116-3843-B440-E8442D861BB6}" type="datetimeFigureOut">
               <a:rPr kumimoji="1" lang="ja-JP" altLang="en-US" smtClean="0"/>
-              <a:t>2019/6/26</a:t>
+              <a:t>2019/7/1</a:t>
             </a:fld>
             <a:endParaRPr kumimoji="1" lang="ja-JP" altLang="en-US"/>
           </a:p>
@@ -2174,7 +2174,7 @@
           <a:p>
             <a:fld id="{297AA529-4116-3843-B440-E8442D861BB6}" type="datetimeFigureOut">
               <a:rPr kumimoji="1" lang="ja-JP" altLang="en-US" smtClean="0"/>
-              <a:t>2019/6/26</a:t>
+              <a:t>2019/7/1</a:t>
             </a:fld>
             <a:endParaRPr kumimoji="1" lang="ja-JP" altLang="en-US"/>
           </a:p>
@@ -2484,7 +2484,7 @@
           <a:p>
             <a:fld id="{297AA529-4116-3843-B440-E8442D861BB6}" type="datetimeFigureOut">
               <a:rPr kumimoji="1" lang="ja-JP" altLang="en-US" smtClean="0"/>
-              <a:t>2019/6/26</a:t>
+              <a:t>2019/7/1</a:t>
             </a:fld>
             <a:endParaRPr kumimoji="1" lang="ja-JP" altLang="en-US"/>
           </a:p>
@@ -2763,7 +2763,7 @@
           <a:p>
             <a:fld id="{297AA529-4116-3843-B440-E8442D861BB6}" type="datetimeFigureOut">
               <a:rPr kumimoji="1" lang="ja-JP" altLang="en-US" smtClean="0"/>
-              <a:t>2019/6/26</a:t>
+              <a:t>2019/7/1</a:t>
             </a:fld>
             <a:endParaRPr kumimoji="1" lang="ja-JP" altLang="en-US"/>
           </a:p>
@@ -3259,7 +3259,7 @@
           <a:p>
             <a:fld id="{297AA529-4116-3843-B440-E8442D861BB6}" type="datetimeFigureOut">
               <a:rPr kumimoji="1" lang="ja-JP" altLang="en-US" smtClean="0"/>
-              <a:t>2019/6/26</a:t>
+              <a:t>2019/7/1</a:t>
             </a:fld>
             <a:endParaRPr kumimoji="1" lang="ja-JP" altLang="en-US"/>
           </a:p>
@@ -3400,7 +3400,7 @@
           <a:p>
             <a:fld id="{297AA529-4116-3843-B440-E8442D861BB6}" type="datetimeFigureOut">
               <a:rPr kumimoji="1" lang="ja-JP" altLang="en-US" smtClean="0"/>
-              <a:t>2019/6/26</a:t>
+              <a:t>2019/7/1</a:t>
             </a:fld>
             <a:endParaRPr kumimoji="1" lang="ja-JP" altLang="en-US"/>
           </a:p>
@@ -3513,7 +3513,7 @@
           <a:p>
             <a:fld id="{297AA529-4116-3843-B440-E8442D861BB6}" type="datetimeFigureOut">
               <a:rPr kumimoji="1" lang="ja-JP" altLang="en-US" smtClean="0"/>
-              <a:t>2019/6/26</a:t>
+              <a:t>2019/7/1</a:t>
             </a:fld>
             <a:endParaRPr kumimoji="1" lang="ja-JP" altLang="en-US"/>
           </a:p>
@@ -3866,7 +3866,7 @@
           <a:p>
             <a:fld id="{297AA529-4116-3843-B440-E8442D861BB6}" type="datetimeFigureOut">
               <a:rPr kumimoji="1" lang="ja-JP" altLang="en-US" smtClean="0"/>
-              <a:t>2019/6/26</a:t>
+              <a:t>2019/7/1</a:t>
             </a:fld>
             <a:endParaRPr kumimoji="1" lang="ja-JP" altLang="en-US"/>
           </a:p>
@@ -4189,7 +4189,7 @@
           <a:p>
             <a:fld id="{297AA529-4116-3843-B440-E8442D861BB6}" type="datetimeFigureOut">
               <a:rPr kumimoji="1" lang="ja-JP" altLang="en-US" smtClean="0"/>
-              <a:t>2019/6/26</a:t>
+              <a:t>2019/7/1</a:t>
             </a:fld>
             <a:endParaRPr kumimoji="1" lang="ja-JP" altLang="en-US"/>
           </a:p>
@@ -4437,7 +4437,7 @@
           <a:p>
             <a:fld id="{297AA529-4116-3843-B440-E8442D861BB6}" type="datetimeFigureOut">
               <a:rPr kumimoji="1" lang="ja-JP" altLang="en-US" smtClean="0"/>
-              <a:t>2019/6/26</a:t>
+              <a:t>2019/7/1</a:t>
             </a:fld>
             <a:endParaRPr kumimoji="1" lang="ja-JP" altLang="en-US"/>
           </a:p>
@@ -5892,7 +5892,23 @@
             </a:pPr>
             <a:r>
               <a:rPr kumimoji="1" lang="ja-JP" altLang="en-US"/>
-              <a:t>・赤外線リモコン以外にも対応させる</a:t>
+              <a:t>・赤外線リモコン以外</a:t>
+            </a:r>
+            <a:r>
+              <a:rPr kumimoji="1" lang="en-US" altLang="ja-JP" dirty="0"/>
+              <a:t>(</a:t>
+            </a:r>
+            <a:r>
+              <a:rPr kumimoji="1" lang="ja-JP" altLang="en-US"/>
+              <a:t>スイッチボット</a:t>
+            </a:r>
+            <a:r>
+              <a:rPr kumimoji="1" lang="en-US" altLang="ja-JP" dirty="0"/>
+              <a:t>)</a:t>
+            </a:r>
+            <a:r>
+              <a:rPr kumimoji="1" lang="ja-JP" altLang="en-US"/>
+              <a:t>にも対応させる</a:t>
             </a:r>
             <a:endParaRPr lang="en-US" altLang="ja-JP" dirty="0"/>
           </a:p>
